--- a/Documents/SWENG837 Final .pptx
+++ b/Documents/SWENG837 Final .pptx
@@ -316,7 +316,7 @@
   <pc:docChgLst>
     <pc:chgData name="Jin Lee" userId="5e9928eadd53cd22" providerId="LiveId" clId="{258C4F2E-DD15-4B3E-A62D-66859D7285CE}"/>
     <pc:docChg chg="undo custSel addSld delSld modSld modSection">
-      <pc:chgData name="Jin Lee" userId="5e9928eadd53cd22" providerId="LiveId" clId="{258C4F2E-DD15-4B3E-A62D-66859D7285CE}" dt="2024-08-11T17:35:36.007" v="563" actId="20577"/>
+      <pc:chgData name="Jin Lee" userId="5e9928eadd53cd22" providerId="LiveId" clId="{258C4F2E-DD15-4B3E-A62D-66859D7285CE}" dt="2024-08-11T17:48:58.644" v="569" actId="20577"/>
       <pc:docMkLst>
         <pc:docMk/>
       </pc:docMkLst>
@@ -467,13 +467,13 @@
         </pc:spChg>
       </pc:sldChg>
       <pc:sldChg chg="modSp mod">
-        <pc:chgData name="Jin Lee" userId="5e9928eadd53cd22" providerId="LiveId" clId="{258C4F2E-DD15-4B3E-A62D-66859D7285CE}" dt="2024-08-11T17:35:36.007" v="563" actId="20577"/>
+        <pc:chgData name="Jin Lee" userId="5e9928eadd53cd22" providerId="LiveId" clId="{258C4F2E-DD15-4B3E-A62D-66859D7285CE}" dt="2024-08-11T17:48:58.644" v="569" actId="20577"/>
         <pc:sldMkLst>
           <pc:docMk/>
           <pc:sldMk cId="4260303483" sldId="286"/>
         </pc:sldMkLst>
         <pc:spChg chg="mod">
-          <ac:chgData name="Jin Lee" userId="5e9928eadd53cd22" providerId="LiveId" clId="{258C4F2E-DD15-4B3E-A62D-66859D7285CE}" dt="2024-08-11T17:35:36.007" v="563" actId="20577"/>
+          <ac:chgData name="Jin Lee" userId="5e9928eadd53cd22" providerId="LiveId" clId="{258C4F2E-DD15-4B3E-A62D-66859D7285CE}" dt="2024-08-11T17:48:58.644" v="569" actId="20577"/>
           <ac:spMkLst>
             <pc:docMk/>
             <pc:sldMk cId="4260303483" sldId="286"/>
@@ -25102,7 +25102,7 @@
         <p:spPr>
           <a:xfrm>
             <a:off x="690371" y="1083564"/>
-            <a:ext cx="9507071" cy="6186309"/>
+            <a:ext cx="9507071" cy="7017306"/>
           </a:xfrm>
           <a:prstGeom prst="rect">
             <a:avLst/>
@@ -25146,10 +25146,9 @@
           </a:p>
           <a:p>
             <a:r>
-              <a:rPr lang="en-US"/>
+              <a:rPr lang="en-US" dirty="0"/>
               <a:t>Links:</a:t>
             </a:r>
-            <a:endParaRPr lang="en-US" dirty="0"/>
           </a:p>
           <a:p>
             <a:r>
@@ -25190,8 +25189,17 @@
               <a:rPr lang="en-US" dirty="0">
                 <a:hlinkClick r:id="rId4"/>
               </a:rPr>
-              <a:t>https://youtu.be/ZB3gyImuqOU</a:t>
+              <a:t>https://youtu.be/cCVZ8iozcrw</a:t>
             </a:r>
+            <a:endParaRPr lang="en-US" dirty="0"/>
+          </a:p>
+          <a:p>
+            <a:endParaRPr lang="en-US" dirty="0"/>
+          </a:p>
+          <a:p>
+            <a:endParaRPr lang="en-US" dirty="0"/>
+          </a:p>
+          <a:p>
             <a:endParaRPr lang="en-US" dirty="0"/>
           </a:p>
           <a:p>
